--- a/Wakefields_and_Impedances/figures/source-witness-pos.pptx
+++ b/Wakefields_and_Impedances/figures/source-witness-pos.pptx
@@ -288,7 +288,7 @@
           <a:p>
             <a:fld id="{EF91F039-DE6D-4F14-8018-21B260E532CB}" type="datetimeFigureOut">
               <a:rPr lang="en-GB" smtClean="0"/>
-              <a:t>06/12/2012</a:t>
+              <a:t>05/03/2013</a:t>
             </a:fld>
             <a:endParaRPr lang="en-GB"/>
           </a:p>
@@ -458,7 +458,7 @@
           <a:p>
             <a:fld id="{EF91F039-DE6D-4F14-8018-21B260E532CB}" type="datetimeFigureOut">
               <a:rPr lang="en-GB" smtClean="0"/>
-              <a:t>06/12/2012</a:t>
+              <a:t>05/03/2013</a:t>
             </a:fld>
             <a:endParaRPr lang="en-GB"/>
           </a:p>
@@ -638,7 +638,7 @@
           <a:p>
             <a:fld id="{EF91F039-DE6D-4F14-8018-21B260E532CB}" type="datetimeFigureOut">
               <a:rPr lang="en-GB" smtClean="0"/>
-              <a:t>06/12/2012</a:t>
+              <a:t>05/03/2013</a:t>
             </a:fld>
             <a:endParaRPr lang="en-GB"/>
           </a:p>
@@ -808,7 +808,7 @@
           <a:p>
             <a:fld id="{EF91F039-DE6D-4F14-8018-21B260E532CB}" type="datetimeFigureOut">
               <a:rPr lang="en-GB" smtClean="0"/>
-              <a:t>06/12/2012</a:t>
+              <a:t>05/03/2013</a:t>
             </a:fld>
             <a:endParaRPr lang="en-GB"/>
           </a:p>
@@ -1054,7 +1054,7 @@
           <a:p>
             <a:fld id="{EF91F039-DE6D-4F14-8018-21B260E532CB}" type="datetimeFigureOut">
               <a:rPr lang="en-GB" smtClean="0"/>
-              <a:t>06/12/2012</a:t>
+              <a:t>05/03/2013</a:t>
             </a:fld>
             <a:endParaRPr lang="en-GB"/>
           </a:p>
@@ -1342,7 +1342,7 @@
           <a:p>
             <a:fld id="{EF91F039-DE6D-4F14-8018-21B260E532CB}" type="datetimeFigureOut">
               <a:rPr lang="en-GB" smtClean="0"/>
-              <a:t>06/12/2012</a:t>
+              <a:t>05/03/2013</a:t>
             </a:fld>
             <a:endParaRPr lang="en-GB"/>
           </a:p>
@@ -1764,7 +1764,7 @@
           <a:p>
             <a:fld id="{EF91F039-DE6D-4F14-8018-21B260E532CB}" type="datetimeFigureOut">
               <a:rPr lang="en-GB" smtClean="0"/>
-              <a:t>06/12/2012</a:t>
+              <a:t>05/03/2013</a:t>
             </a:fld>
             <a:endParaRPr lang="en-GB"/>
           </a:p>
@@ -1882,7 +1882,7 @@
           <a:p>
             <a:fld id="{EF91F039-DE6D-4F14-8018-21B260E532CB}" type="datetimeFigureOut">
               <a:rPr lang="en-GB" smtClean="0"/>
-              <a:t>06/12/2012</a:t>
+              <a:t>05/03/2013</a:t>
             </a:fld>
             <a:endParaRPr lang="en-GB"/>
           </a:p>
@@ -1977,7 +1977,7 @@
           <a:p>
             <a:fld id="{EF91F039-DE6D-4F14-8018-21B260E532CB}" type="datetimeFigureOut">
               <a:rPr lang="en-GB" smtClean="0"/>
-              <a:t>06/12/2012</a:t>
+              <a:t>05/03/2013</a:t>
             </a:fld>
             <a:endParaRPr lang="en-GB"/>
           </a:p>
@@ -2254,7 +2254,7 @@
           <a:p>
             <a:fld id="{EF91F039-DE6D-4F14-8018-21B260E532CB}" type="datetimeFigureOut">
               <a:rPr lang="en-GB" smtClean="0"/>
-              <a:t>06/12/2012</a:t>
+              <a:t>05/03/2013</a:t>
             </a:fld>
             <a:endParaRPr lang="en-GB"/>
           </a:p>
@@ -2507,7 +2507,7 @@
           <a:p>
             <a:fld id="{EF91F039-DE6D-4F14-8018-21B260E532CB}" type="datetimeFigureOut">
               <a:rPr lang="en-GB" smtClean="0"/>
-              <a:t>06/12/2012</a:t>
+              <a:t>05/03/2013</a:t>
             </a:fld>
             <a:endParaRPr lang="en-GB"/>
           </a:p>
@@ -2720,7 +2720,7 @@
           <a:p>
             <a:fld id="{EF91F039-DE6D-4F14-8018-21B260E532CB}" type="datetimeFigureOut">
               <a:rPr lang="en-GB" smtClean="0"/>
-              <a:t>06/12/2012</a:t>
+              <a:t>05/03/2013</a:t>
             </a:fld>
             <a:endParaRPr lang="en-GB"/>
           </a:p>
@@ -3203,8 +3203,8 @@
           </a:fontRef>
         </p:style>
       </p:cxnSp>
-      <mc:AlternateContent xmlns:mc="http://schemas.openxmlformats.org/markup-compatibility/2006">
-        <mc:Choice xmlns:a14="http://schemas.microsoft.com/office/drawing/2010/main" Requires="a14">
+      <mc:AlternateContent xmlns:mc="http://schemas.openxmlformats.org/markup-compatibility/2006" xmlns:a14="http://schemas.microsoft.com/office/drawing/2010/main">
+        <mc:Choice Requires="a14">
           <p:sp>
             <p:nvSpPr>
               <p:cNvPr id="36" name="TextBox 35"/>
@@ -3227,6 +3227,7 @@
               </a:bodyPr>
               <a:lstStyle/>
               <a:p>
+                <a:pPr/>
                 <a14:m>
                   <m:oMathPara xmlns:m="http://schemas.openxmlformats.org/officeDocument/2006/math">
                     <m:oMathParaPr>
@@ -3247,7 +3248,7 @@
             </p:txBody>
           </p:sp>
         </mc:Choice>
-        <mc:Fallback>
+        <mc:Fallback xmlns="">
           <p:sp>
             <p:nvSpPr>
               <p:cNvPr id="36" name="TextBox 35"/>
@@ -3286,8 +3287,8 @@
           </p:sp>
         </mc:Fallback>
       </mc:AlternateContent>
-      <mc:AlternateContent xmlns:mc="http://schemas.openxmlformats.org/markup-compatibility/2006">
-        <mc:Choice xmlns:a14="http://schemas.microsoft.com/office/drawing/2010/main" Requires="a14">
+      <mc:AlternateContent xmlns:mc="http://schemas.openxmlformats.org/markup-compatibility/2006" xmlns:a14="http://schemas.microsoft.com/office/drawing/2010/main">
+        <mc:Choice Requires="a14">
           <p:sp>
             <p:nvSpPr>
               <p:cNvPr id="37" name="TextBox 36"/>
@@ -3310,6 +3311,7 @@
               </a:bodyPr>
               <a:lstStyle/>
               <a:p>
+                <a:pPr/>
                 <a14:m>
                   <m:oMathPara xmlns:m="http://schemas.openxmlformats.org/officeDocument/2006/math">
                     <m:oMathParaPr>
@@ -3330,7 +3332,7 @@
             </p:txBody>
           </p:sp>
         </mc:Choice>
-        <mc:Fallback>
+        <mc:Fallback xmlns="">
           <p:sp>
             <p:nvSpPr>
               <p:cNvPr id="37" name="TextBox 36"/>
@@ -3369,8 +3371,8 @@
           </p:sp>
         </mc:Fallback>
       </mc:AlternateContent>
-      <mc:AlternateContent xmlns:mc="http://schemas.openxmlformats.org/markup-compatibility/2006">
-        <mc:Choice xmlns:a14="http://schemas.microsoft.com/office/drawing/2010/main" Requires="a14">
+      <mc:AlternateContent xmlns:mc="http://schemas.openxmlformats.org/markup-compatibility/2006" xmlns:a14="http://schemas.microsoft.com/office/drawing/2010/main">
+        <mc:Choice Requires="a14">
           <p:sp>
             <p:nvSpPr>
               <p:cNvPr id="38" name="TextBox 37"/>
@@ -3393,6 +3395,7 @@
               </a:bodyPr>
               <a:lstStyle/>
               <a:p>
+                <a:pPr/>
                 <a14:m>
                   <m:oMathPara xmlns:m="http://schemas.openxmlformats.org/officeDocument/2006/math">
                     <m:oMathParaPr>
@@ -3413,7 +3416,7 @@
             </p:txBody>
           </p:sp>
         </mc:Choice>
-        <mc:Fallback>
+        <mc:Fallback xmlns="">
           <p:sp>
             <p:nvSpPr>
               <p:cNvPr id="38" name="TextBox 37"/>
@@ -3554,8 +3557,8 @@
           </a:p>
         </p:txBody>
       </p:sp>
-      <mc:AlternateContent xmlns:mc="http://schemas.openxmlformats.org/markup-compatibility/2006">
-        <mc:Choice xmlns:a14="http://schemas.microsoft.com/office/drawing/2010/main" Requires="a14">
+      <mc:AlternateContent xmlns:mc="http://schemas.openxmlformats.org/markup-compatibility/2006" xmlns:a14="http://schemas.microsoft.com/office/drawing/2010/main">
+        <mc:Choice Requires="a14">
           <p:sp>
             <p:nvSpPr>
               <p:cNvPr id="41" name="TextBox 40"/>
@@ -3684,7 +3687,7 @@
             </p:txBody>
           </p:sp>
         </mc:Choice>
-        <mc:Fallback>
+        <mc:Fallback xmlns="">
           <p:sp>
             <p:nvSpPr>
               <p:cNvPr id="41" name="TextBox 40"/>
@@ -3723,8 +3726,8 @@
           </p:sp>
         </mc:Fallback>
       </mc:AlternateContent>
-      <mc:AlternateContent xmlns:mc="http://schemas.openxmlformats.org/markup-compatibility/2006">
-        <mc:Choice xmlns:a14="http://schemas.microsoft.com/office/drawing/2010/main" Requires="a14">
+      <mc:AlternateContent xmlns:mc="http://schemas.openxmlformats.org/markup-compatibility/2006" xmlns:a14="http://schemas.microsoft.com/office/drawing/2010/main">
+        <mc:Choice Requires="a14">
           <p:sp>
             <p:nvSpPr>
               <p:cNvPr id="42" name="TextBox 41"/>
@@ -3853,7 +3856,7 @@
             </p:txBody>
           </p:sp>
         </mc:Choice>
-        <mc:Fallback>
+        <mc:Fallback xmlns="">
           <p:sp>
             <p:nvSpPr>
               <p:cNvPr id="42" name="TextBox 41"/>
@@ -3943,7 +3946,7 @@
           <a:lstStyle/>
           <a:p>
             <a:pPr algn="ctr"/>
-            <a:endParaRPr lang="en-GB"/>
+            <a:endParaRPr lang="en-GB" dirty="0"/>
           </a:p>
         </p:txBody>
       </p:sp>
@@ -4095,6 +4098,66 @@
           </a:fontRef>
         </p:style>
       </p:cxnSp>
+      <p:sp>
+        <p:nvSpPr>
+          <p:cNvPr id="2" name="TextBox 1"/>
+          <p:cNvSpPr txBox="1"/>
+          <p:nvPr/>
+        </p:nvSpPr>
+        <p:spPr>
+          <a:xfrm>
+            <a:off x="3087038" y="1080564"/>
+            <a:ext cx="290464" cy="369332"/>
+          </a:xfrm>
+          <a:prstGeom prst="rect">
+            <a:avLst/>
+          </a:prstGeom>
+          <a:noFill/>
+        </p:spPr>
+        <p:txBody>
+          <a:bodyPr wrap="none" rtlCol="0">
+            <a:spAutoFit/>
+          </a:bodyPr>
+          <a:lstStyle/>
+          <a:p>
+            <a:r>
+              <a:rPr lang="en-GB" dirty="0" smtClean="0"/>
+              <a:t>S</a:t>
+            </a:r>
+            <a:endParaRPr lang="en-GB" dirty="0"/>
+          </a:p>
+        </p:txBody>
+      </p:sp>
+      <p:sp>
+        <p:nvSpPr>
+          <p:cNvPr id="3" name="TextBox 2"/>
+          <p:cNvSpPr txBox="1"/>
+          <p:nvPr/>
+        </p:nvSpPr>
+        <p:spPr>
+          <a:xfrm>
+            <a:off x="4974150" y="1823977"/>
+            <a:ext cx="296876" cy="369332"/>
+          </a:xfrm>
+          <a:prstGeom prst="rect">
+            <a:avLst/>
+          </a:prstGeom>
+          <a:noFill/>
+        </p:spPr>
+        <p:txBody>
+          <a:bodyPr wrap="none" rtlCol="0">
+            <a:spAutoFit/>
+          </a:bodyPr>
+          <a:lstStyle/>
+          <a:p>
+            <a:r>
+              <a:rPr lang="en-GB" dirty="0" smtClean="0"/>
+              <a:t>T</a:t>
+            </a:r>
+            <a:endParaRPr lang="en-GB" dirty="0"/>
+          </a:p>
+        </p:txBody>
+      </p:sp>
     </p:spTree>
     <p:extLst>
       <p:ext uri="{BB962C8B-B14F-4D97-AF65-F5344CB8AC3E}">
